--- a/presentation.pptx
+++ b/presentation.pptx
@@ -7,6 +7,9 @@
   <p:sldIdLst>
     <p:sldId id="256" r:id="rId2"/>
     <p:sldId id="257" r:id="rId3"/>
+    <p:sldId id="258" r:id="rId4"/>
+    <p:sldId id="259" r:id="rId5"/>
+    <p:sldId id="260" r:id="rId6"/>
   </p:sldIdLst>
   <p:sldSz cx="9144000" cy="6858000" type="screen4x3"/>
   <p:notesSz cx="6858000" cy="9144000"/>
@@ -167,7 +170,7 @@
           <a:p>
             <a:fld id="{B4C71EC6-210F-42DE-9C53-41977AD35B3D}" type="datetimeFigureOut">
               <a:rPr lang="ru-RU" smtClean="0"/>
-              <a:t>23.04.2021</a:t>
+              <a:t>29.04.2021</a:t>
             </a:fld>
             <a:endParaRPr lang="ru-RU"/>
           </a:p>
@@ -483,7 +486,7 @@
           <a:p>
             <a:fld id="{B4C71EC6-210F-42DE-9C53-41977AD35B3D}" type="datetimeFigureOut">
               <a:rPr lang="ru-RU" smtClean="0"/>
-              <a:t>23.04.2021</a:t>
+              <a:t>29.04.2021</a:t>
             </a:fld>
             <a:endParaRPr lang="ru-RU"/>
           </a:p>
@@ -658,7 +661,7 @@
           <a:p>
             <a:fld id="{B4C71EC6-210F-42DE-9C53-41977AD35B3D}" type="datetimeFigureOut">
               <a:rPr lang="ru-RU" smtClean="0"/>
-              <a:t>23.04.2021</a:t>
+              <a:t>29.04.2021</a:t>
             </a:fld>
             <a:endParaRPr lang="ru-RU"/>
           </a:p>
@@ -776,7 +779,7 @@
           <a:p>
             <a:fld id="{B4C71EC6-210F-42DE-9C53-41977AD35B3D}" type="datetimeFigureOut">
               <a:rPr lang="ru-RU" smtClean="0"/>
-              <a:t>23.04.2021</a:t>
+              <a:t>29.04.2021</a:t>
             </a:fld>
             <a:endParaRPr lang="ru-RU"/>
           </a:p>
@@ -1074,7 +1077,7 @@
           <a:p>
             <a:fld id="{B4C71EC6-210F-42DE-9C53-41977AD35B3D}" type="datetimeFigureOut">
               <a:rPr lang="ru-RU" smtClean="0"/>
-              <a:t>23.04.2021</a:t>
+              <a:t>29.04.2021</a:t>
             </a:fld>
             <a:endParaRPr lang="ru-RU"/>
           </a:p>
@@ -1367,7 +1370,7 @@
           <a:p>
             <a:fld id="{B4C71EC6-210F-42DE-9C53-41977AD35B3D}" type="datetimeFigureOut">
               <a:rPr lang="ru-RU" smtClean="0"/>
-              <a:t>23.04.2021</a:t>
+              <a:t>29.04.2021</a:t>
             </a:fld>
             <a:endParaRPr lang="ru-RU"/>
           </a:p>
@@ -1795,7 +1798,7 @@
           <a:p>
             <a:fld id="{B4C71EC6-210F-42DE-9C53-41977AD35B3D}" type="datetimeFigureOut">
               <a:rPr lang="ru-RU" smtClean="0"/>
-              <a:t>23.04.2021</a:t>
+              <a:t>29.04.2021</a:t>
             </a:fld>
             <a:endParaRPr lang="ru-RU"/>
           </a:p>
@@ -1913,7 +1916,7 @@
           <a:p>
             <a:fld id="{B4C71EC6-210F-42DE-9C53-41977AD35B3D}" type="datetimeFigureOut">
               <a:rPr lang="ru-RU" smtClean="0"/>
-              <a:t>23.04.2021</a:t>
+              <a:t>29.04.2021</a:t>
             </a:fld>
             <a:endParaRPr lang="ru-RU"/>
           </a:p>
@@ -2003,7 +2006,7 @@
           <a:p>
             <a:fld id="{B4C71EC6-210F-42DE-9C53-41977AD35B3D}" type="datetimeFigureOut">
               <a:rPr lang="ru-RU" smtClean="0"/>
-              <a:t>23.04.2021</a:t>
+              <a:t>29.04.2021</a:t>
             </a:fld>
             <a:endParaRPr lang="ru-RU"/>
           </a:p>
@@ -2253,7 +2256,7 @@
           <a:p>
             <a:fld id="{B4C71EC6-210F-42DE-9C53-41977AD35B3D}" type="datetimeFigureOut">
               <a:rPr lang="ru-RU" smtClean="0"/>
-              <a:t>23.04.2021</a:t>
+              <a:t>29.04.2021</a:t>
             </a:fld>
             <a:endParaRPr lang="ru-RU"/>
           </a:p>
@@ -2769,7 +2772,7 @@
           <a:p>
             <a:fld id="{B4C71EC6-210F-42DE-9C53-41977AD35B3D}" type="datetimeFigureOut">
               <a:rPr lang="ru-RU" smtClean="0"/>
-              <a:t>23.04.2021</a:t>
+              <a:t>29.04.2021</a:t>
             </a:fld>
             <a:endParaRPr lang="ru-RU"/>
           </a:p>
@@ -2999,7 +3002,7 @@
           <a:p>
             <a:fld id="{B4C71EC6-210F-42DE-9C53-41977AD35B3D}" type="datetimeFigureOut">
               <a:rPr lang="ru-RU" smtClean="0"/>
-              <a:t>23.04.2021</a:t>
+              <a:t>29.04.2021</a:t>
             </a:fld>
             <a:endParaRPr lang="ru-RU"/>
           </a:p>
@@ -3666,18 +3669,59 @@
           <a:bodyPr/>
           <a:lstStyle/>
           <a:p>
-            <a:pPr marL="0" indent="0">
+            <a:pPr marL="0" indent="0" algn="just">
               <a:buNone/>
             </a:pPr>
             <a:r>
               <a:rPr lang="ru-RU" dirty="0" smtClean="0"/>
-              <a:t>	Сейчас все покупки перешли в цифровой формат и видеоигры не исключение. Гораздо проще оформить заказ в интернет-магазине, чем идти и покупать физическую версию на диске. Наш магазин предоставляет </a:t>
-            </a:r>
-            <a:r>
-              <a:rPr lang="ru-RU" smtClean="0"/>
-              <a:t>такие возможности</a:t>
-            </a:r>
-            <a:endParaRPr lang="ru-RU" dirty="0"/>
+              <a:t>	</a:t>
+            </a:r>
+            <a:r>
+              <a:rPr lang="ru-RU" sz="2800" dirty="0" smtClean="0">
+                <a:latin typeface="Times New Roman" panose="02020603050405020304" pitchFamily="18" charset="0"/>
+                <a:cs typeface="Times New Roman" panose="02020603050405020304" pitchFamily="18" charset="0"/>
+              </a:rPr>
+              <a:t>Сейчас все покупки перешли в цифровой формат и видеоигры не исключение. Гораздо проще оформить заказ в интернет-магазине, чем идти и покупать физическую версию на диске. Наш магазин предоставляет такие </a:t>
+            </a:r>
+            <a:r>
+              <a:rPr lang="ru-RU" sz="2800" dirty="0" smtClean="0">
+                <a:latin typeface="Times New Roman" panose="02020603050405020304" pitchFamily="18" charset="0"/>
+                <a:cs typeface="Times New Roman" panose="02020603050405020304" pitchFamily="18" charset="0"/>
+              </a:rPr>
+              <a:t>возможности. В нашем магазине реализована система авторизации и регистрации, </a:t>
+            </a:r>
+            <a:r>
+              <a:rPr lang="ru-RU" sz="2800" dirty="0" err="1" smtClean="0">
+                <a:latin typeface="Times New Roman" panose="02020603050405020304" pitchFamily="18" charset="0"/>
+                <a:cs typeface="Times New Roman" panose="02020603050405020304" pitchFamily="18" charset="0"/>
+              </a:rPr>
+              <a:t>аватарки</a:t>
+            </a:r>
+            <a:r>
+              <a:rPr lang="ru-RU" sz="2800" dirty="0" smtClean="0">
+                <a:latin typeface="Times New Roman" panose="02020603050405020304" pitchFamily="18" charset="0"/>
+                <a:cs typeface="Times New Roman" panose="02020603050405020304" pitchFamily="18" charset="0"/>
+              </a:rPr>
+              <a:t> пользователей, покупка игр с добавлением их в корзину, а также </a:t>
+            </a:r>
+            <a:r>
+              <a:rPr lang="ru-RU" sz="2800" dirty="0" err="1" smtClean="0">
+                <a:latin typeface="Times New Roman" panose="02020603050405020304" pitchFamily="18" charset="0"/>
+                <a:cs typeface="Times New Roman" panose="02020603050405020304" pitchFamily="18" charset="0"/>
+              </a:rPr>
+              <a:t>модерация</a:t>
+            </a:r>
+            <a:r>
+              <a:rPr lang="ru-RU" sz="2800" dirty="0" smtClean="0">
+                <a:latin typeface="Times New Roman" panose="02020603050405020304" pitchFamily="18" charset="0"/>
+                <a:cs typeface="Times New Roman" panose="02020603050405020304" pitchFamily="18" charset="0"/>
+              </a:rPr>
+              <a:t> и добавление новых товаров.</a:t>
+            </a:r>
+            <a:endParaRPr lang="ru-RU" sz="2800" dirty="0">
+              <a:latin typeface="Times New Roman" panose="02020603050405020304" pitchFamily="18" charset="0"/>
+              <a:cs typeface="Times New Roman" panose="02020603050405020304" pitchFamily="18" charset="0"/>
+            </a:endParaRPr>
           </a:p>
         </p:txBody>
       </p:sp>
@@ -3698,6 +3742,600 @@
       </p:par>
     </p:tnLst>
   </p:timing>
+</p:sld>
+</file>
+
+<file path=ppt/slides/slide3.xml><?xml version="1.0" encoding="utf-8"?>
+<p:sld xmlns:a="http://schemas.openxmlformats.org/drawingml/2006/main" xmlns:r="http://schemas.openxmlformats.org/officeDocument/2006/relationships" xmlns:p="http://schemas.openxmlformats.org/presentationml/2006/main">
+  <p:cSld>
+    <p:spTree>
+      <p:nvGrpSpPr>
+        <p:cNvPr id="1" name=""/>
+        <p:cNvGrpSpPr/>
+        <p:nvPr/>
+      </p:nvGrpSpPr>
+      <p:grpSpPr>
+        <a:xfrm>
+          <a:off x="0" y="0"/>
+          <a:ext cx="0" cy="0"/>
+          <a:chOff x="0" y="0"/>
+          <a:chExt cx="0" cy="0"/>
+        </a:xfrm>
+      </p:grpSpPr>
+      <p:sp>
+        <p:nvSpPr>
+          <p:cNvPr id="2" name="Заголовок 1"/>
+          <p:cNvSpPr>
+            <a:spLocks noGrp="1"/>
+          </p:cNvSpPr>
+          <p:nvPr>
+            <p:ph type="title"/>
+          </p:nvPr>
+        </p:nvSpPr>
+        <p:spPr>
+          <a:xfrm>
+            <a:off x="611560" y="0"/>
+            <a:ext cx="7924800" cy="706090"/>
+          </a:xfrm>
+        </p:spPr>
+        <p:txBody>
+          <a:bodyPr/>
+          <a:lstStyle/>
+          <a:p>
+            <a:pPr algn="ctr"/>
+            <a:r>
+              <a:rPr lang="ru-RU" dirty="0" smtClean="0"/>
+              <a:t>структура</a:t>
+            </a:r>
+            <a:endParaRPr lang="ru-RU" dirty="0"/>
+          </a:p>
+        </p:txBody>
+      </p:sp>
+      <p:sp>
+        <p:nvSpPr>
+          <p:cNvPr id="3" name="Объект 2"/>
+          <p:cNvSpPr>
+            <a:spLocks noGrp="1"/>
+          </p:cNvSpPr>
+          <p:nvPr>
+            <p:ph sz="quarter" idx="13"/>
+          </p:nvPr>
+        </p:nvSpPr>
+        <p:spPr>
+          <a:xfrm>
+            <a:off x="395536" y="764704"/>
+            <a:ext cx="8352928" cy="4968552"/>
+          </a:xfrm>
+        </p:spPr>
+        <p:txBody>
+          <a:bodyPr>
+            <a:normAutofit fontScale="85000" lnSpcReduction="10000"/>
+          </a:bodyPr>
+          <a:lstStyle/>
+          <a:p>
+            <a:pPr marL="0" indent="0">
+              <a:buNone/>
+            </a:pPr>
+            <a:r>
+              <a:rPr lang="ru-RU" dirty="0" smtClean="0"/>
+              <a:t>Главный исполняемый файл – </a:t>
+            </a:r>
+            <a:r>
+              <a:rPr lang="en-US" dirty="0" smtClean="0"/>
+              <a:t>main.py</a:t>
+            </a:r>
+          </a:p>
+          <a:p>
+            <a:pPr marL="0" indent="0">
+              <a:buNone/>
+            </a:pPr>
+            <a:r>
+              <a:rPr lang="ru-RU" dirty="0" smtClean="0"/>
+              <a:t>База данных – </a:t>
+            </a:r>
+            <a:r>
+              <a:rPr lang="en-US" dirty="0" smtClean="0"/>
+              <a:t>main.bd</a:t>
+            </a:r>
+          </a:p>
+          <a:p>
+            <a:pPr marL="0" indent="0">
+              <a:buNone/>
+            </a:pPr>
+            <a:r>
+              <a:rPr lang="en-US" dirty="0" err="1" smtClean="0"/>
+              <a:t>main.db</a:t>
+            </a:r>
+            <a:r>
+              <a:rPr lang="en-US" dirty="0" smtClean="0"/>
+              <a:t>:</a:t>
+            </a:r>
+          </a:p>
+          <a:p>
+            <a:pPr marL="0" indent="0">
+              <a:buNone/>
+            </a:pPr>
+            <a:r>
+              <a:rPr lang="en-US" dirty="0"/>
+              <a:t>	</a:t>
+            </a:r>
+            <a:r>
+              <a:rPr lang="en-US" dirty="0" smtClean="0"/>
+              <a:t>comments (</a:t>
+            </a:r>
+            <a:r>
+              <a:rPr lang="ru-RU" dirty="0" smtClean="0"/>
+              <a:t>комментарии к играм</a:t>
+            </a:r>
+            <a:r>
+              <a:rPr lang="en-US" dirty="0" smtClean="0"/>
+              <a:t>)</a:t>
+            </a:r>
+          </a:p>
+          <a:p>
+            <a:pPr marL="0" indent="0">
+              <a:buNone/>
+            </a:pPr>
+            <a:r>
+              <a:rPr lang="en-US" dirty="0"/>
+              <a:t>	</a:t>
+            </a:r>
+            <a:r>
+              <a:rPr lang="en-US" dirty="0" smtClean="0"/>
+              <a:t>games</a:t>
+            </a:r>
+            <a:r>
+              <a:rPr lang="ru-RU" dirty="0" smtClean="0"/>
+              <a:t> (сами игры)</a:t>
+            </a:r>
+            <a:endParaRPr lang="en-US" dirty="0" smtClean="0"/>
+          </a:p>
+          <a:p>
+            <a:pPr marL="0" indent="0">
+              <a:buNone/>
+            </a:pPr>
+            <a:r>
+              <a:rPr lang="en-US" dirty="0"/>
+              <a:t>	</a:t>
+            </a:r>
+            <a:r>
+              <a:rPr lang="en-US" dirty="0" smtClean="0"/>
+              <a:t>genres</a:t>
+            </a:r>
+            <a:r>
+              <a:rPr lang="ru-RU" dirty="0" smtClean="0"/>
+              <a:t> (жанры для игр)</a:t>
+            </a:r>
+            <a:endParaRPr lang="en-US" dirty="0" smtClean="0"/>
+          </a:p>
+          <a:p>
+            <a:pPr marL="0" indent="0">
+              <a:buNone/>
+            </a:pPr>
+            <a:r>
+              <a:rPr lang="en-US" dirty="0" smtClean="0"/>
+              <a:t>	users</a:t>
+            </a:r>
+            <a:r>
+              <a:rPr lang="ru-RU" dirty="0" smtClean="0"/>
+              <a:t> (пользователи)</a:t>
+            </a:r>
+          </a:p>
+          <a:p>
+            <a:pPr marL="0" indent="0">
+              <a:buNone/>
+            </a:pPr>
+            <a:r>
+              <a:rPr lang="en-US" dirty="0" smtClean="0"/>
+              <a:t>Restful-</a:t>
+            </a:r>
+            <a:r>
+              <a:rPr lang="en-US" dirty="0" err="1" smtClean="0"/>
+              <a:t>api</a:t>
+            </a:r>
+            <a:r>
+              <a:rPr lang="en-US" dirty="0" smtClean="0"/>
+              <a:t> </a:t>
+            </a:r>
+            <a:r>
+              <a:rPr lang="ru-RU" dirty="0" smtClean="0"/>
+              <a:t>файлы:</a:t>
+            </a:r>
+          </a:p>
+          <a:p>
+            <a:pPr marL="0" indent="0">
+              <a:buNone/>
+            </a:pPr>
+            <a:r>
+              <a:rPr lang="ru-RU" dirty="0"/>
+              <a:t>	</a:t>
+            </a:r>
+            <a:r>
+              <a:rPr lang="en-US" dirty="0" smtClean="0"/>
+              <a:t>users_resources.py</a:t>
+            </a:r>
+          </a:p>
+          <a:p>
+            <a:pPr marL="0" indent="0">
+              <a:buNone/>
+            </a:pPr>
+            <a:r>
+              <a:rPr lang="en-US" dirty="0"/>
+              <a:t>	</a:t>
+            </a:r>
+            <a:r>
+              <a:rPr lang="en-US" dirty="0" smtClean="0"/>
+              <a:t>games_resources.py</a:t>
+            </a:r>
+          </a:p>
+          <a:p>
+            <a:pPr marL="0" indent="0">
+              <a:buNone/>
+            </a:pPr>
+            <a:r>
+              <a:rPr lang="ru-RU" dirty="0" smtClean="0"/>
+              <a:t>Классы </a:t>
+            </a:r>
+            <a:r>
+              <a:rPr lang="en-US" dirty="0" err="1" smtClean="0"/>
+              <a:t>sqlalchemy</a:t>
+            </a:r>
+            <a:r>
+              <a:rPr lang="en-US" dirty="0" smtClean="0"/>
+              <a:t>:</a:t>
+            </a:r>
+          </a:p>
+          <a:p>
+            <a:pPr marL="0" indent="0">
+              <a:buNone/>
+            </a:pPr>
+            <a:r>
+              <a:rPr lang="en-US" dirty="0"/>
+              <a:t>	</a:t>
+            </a:r>
+            <a:r>
+              <a:rPr lang="en-US" dirty="0" smtClean="0"/>
+              <a:t>users.py</a:t>
+            </a:r>
+          </a:p>
+          <a:p>
+            <a:pPr marL="0" indent="0">
+              <a:buNone/>
+            </a:pPr>
+            <a:r>
+              <a:rPr lang="en-US" dirty="0"/>
+              <a:t>	</a:t>
+            </a:r>
+            <a:r>
+              <a:rPr lang="en-US" dirty="0" smtClean="0"/>
+              <a:t>comment.py</a:t>
+            </a:r>
+          </a:p>
+          <a:p>
+            <a:pPr marL="0" indent="0">
+              <a:buNone/>
+            </a:pPr>
+            <a:r>
+              <a:rPr lang="en-US" dirty="0"/>
+              <a:t>	</a:t>
+            </a:r>
+            <a:r>
+              <a:rPr lang="en-US" dirty="0" smtClean="0"/>
+              <a:t>games.py</a:t>
+            </a:r>
+          </a:p>
+          <a:p>
+            <a:pPr marL="0" indent="0">
+              <a:buNone/>
+            </a:pPr>
+            <a:r>
+              <a:rPr lang="en-US" dirty="0"/>
+              <a:t>	</a:t>
+            </a:r>
+            <a:r>
+              <a:rPr lang="en-US" dirty="0" smtClean="0"/>
+              <a:t>genres.py</a:t>
+            </a:r>
+          </a:p>
+          <a:p>
+            <a:pPr marL="0" indent="0">
+              <a:buNone/>
+            </a:pPr>
+            <a:r>
+              <a:rPr lang="ru-RU" dirty="0" smtClean="0"/>
+              <a:t>Папка </a:t>
+            </a:r>
+            <a:r>
+              <a:rPr lang="en-US" dirty="0" smtClean="0"/>
+              <a:t>templates </a:t>
+            </a:r>
+            <a:r>
+              <a:rPr lang="ru-RU" dirty="0" smtClean="0"/>
+              <a:t>для </a:t>
+            </a:r>
+            <a:r>
+              <a:rPr lang="en-US" dirty="0" smtClean="0"/>
+              <a:t>html, </a:t>
+            </a:r>
+            <a:r>
+              <a:rPr lang="ru-RU" dirty="0" smtClean="0"/>
+              <a:t>а </a:t>
+            </a:r>
+            <a:r>
+              <a:rPr lang="en-US" dirty="0" smtClean="0"/>
+              <a:t>static </a:t>
+            </a:r>
+            <a:r>
+              <a:rPr lang="ru-RU" dirty="0" smtClean="0"/>
+              <a:t>для статического контента</a:t>
+            </a:r>
+            <a:endParaRPr lang="ru-RU" dirty="0"/>
+          </a:p>
+        </p:txBody>
+      </p:sp>
+    </p:spTree>
+    <p:extLst>
+      <p:ext uri="{BB962C8B-B14F-4D97-AF65-F5344CB8AC3E}">
+        <p14:creationId xmlns:p14="http://schemas.microsoft.com/office/powerpoint/2010/main" val="226171764"/>
+      </p:ext>
+    </p:extLst>
+  </p:cSld>
+  <p:clrMapOvr>
+    <a:masterClrMapping/>
+  </p:clrMapOvr>
+</p:sld>
+</file>
+
+<file path=ppt/slides/slide4.xml><?xml version="1.0" encoding="utf-8"?>
+<p:sld xmlns:a="http://schemas.openxmlformats.org/drawingml/2006/main" xmlns:r="http://schemas.openxmlformats.org/officeDocument/2006/relationships" xmlns:p="http://schemas.openxmlformats.org/presentationml/2006/main">
+  <p:cSld>
+    <p:spTree>
+      <p:nvGrpSpPr>
+        <p:cNvPr id="1" name=""/>
+        <p:cNvGrpSpPr/>
+        <p:nvPr/>
+      </p:nvGrpSpPr>
+      <p:grpSpPr>
+        <a:xfrm>
+          <a:off x="0" y="0"/>
+          <a:ext cx="0" cy="0"/>
+          <a:chOff x="0" y="0"/>
+          <a:chExt cx="0" cy="0"/>
+        </a:xfrm>
+      </p:grpSpPr>
+      <p:sp>
+        <p:nvSpPr>
+          <p:cNvPr id="2" name="Заголовок 1"/>
+          <p:cNvSpPr>
+            <a:spLocks noGrp="1"/>
+          </p:cNvSpPr>
+          <p:nvPr>
+            <p:ph type="title"/>
+          </p:nvPr>
+        </p:nvSpPr>
+        <p:spPr>
+          <a:xfrm>
+            <a:off x="609600" y="274638"/>
+            <a:ext cx="7924800" cy="634082"/>
+          </a:xfrm>
+        </p:spPr>
+        <p:txBody>
+          <a:bodyPr/>
+          <a:lstStyle/>
+          <a:p>
+            <a:pPr algn="ctr"/>
+            <a:r>
+              <a:rPr lang="ru-RU" dirty="0" smtClean="0"/>
+              <a:t>Библиотеки</a:t>
+            </a:r>
+            <a:endParaRPr lang="ru-RU" dirty="0"/>
+          </a:p>
+        </p:txBody>
+      </p:sp>
+      <p:sp>
+        <p:nvSpPr>
+          <p:cNvPr id="3" name="Объект 2"/>
+          <p:cNvSpPr>
+            <a:spLocks noGrp="1"/>
+          </p:cNvSpPr>
+          <p:nvPr>
+            <p:ph sz="quarter" idx="13"/>
+          </p:nvPr>
+        </p:nvSpPr>
+        <p:spPr>
+          <a:xfrm>
+            <a:off x="609600" y="1052736"/>
+            <a:ext cx="7924800" cy="4662264"/>
+          </a:xfrm>
+        </p:spPr>
+        <p:txBody>
+          <a:bodyPr>
+            <a:normAutofit/>
+          </a:bodyPr>
+          <a:lstStyle/>
+          <a:p>
+            <a:r>
+              <a:rPr lang="en-US" sz="2400" dirty="0" smtClean="0"/>
+              <a:t>Flask </a:t>
+            </a:r>
+            <a:r>
+              <a:rPr lang="ru-RU" sz="2400" dirty="0" smtClean="0"/>
+              <a:t>(</a:t>
+            </a:r>
+            <a:r>
+              <a:rPr lang="en-US" sz="2400" dirty="0" smtClean="0"/>
+              <a:t>flask, </a:t>
+            </a:r>
+            <a:r>
+              <a:rPr lang="en-US" sz="2400" dirty="0" err="1" smtClean="0"/>
+              <a:t>flask_restful</a:t>
+            </a:r>
+            <a:r>
+              <a:rPr lang="en-US" sz="2400" dirty="0" smtClean="0"/>
+              <a:t>, </a:t>
+            </a:r>
+            <a:r>
+              <a:rPr lang="en-US" sz="2400" dirty="0" err="1" smtClean="0"/>
+              <a:t>flask_login</a:t>
+            </a:r>
+            <a:r>
+              <a:rPr lang="en-US" sz="2400" dirty="0" smtClean="0"/>
+              <a:t>, </a:t>
+            </a:r>
+            <a:r>
+              <a:rPr lang="en-US" sz="2400" dirty="0" err="1" smtClean="0"/>
+              <a:t>flask_wtf</a:t>
+            </a:r>
+            <a:r>
+              <a:rPr lang="ru-RU" sz="2400" dirty="0" smtClean="0"/>
+              <a:t>)</a:t>
+            </a:r>
+            <a:endParaRPr lang="en-US" sz="2400" dirty="0" smtClean="0"/>
+          </a:p>
+          <a:p>
+            <a:r>
+              <a:rPr lang="en-US" sz="2400" dirty="0" err="1" smtClean="0"/>
+              <a:t>Sqlalchemy</a:t>
+            </a:r>
+            <a:endParaRPr lang="en-US" sz="2400" dirty="0" smtClean="0"/>
+          </a:p>
+          <a:p>
+            <a:r>
+              <a:rPr lang="en-US" sz="2400" dirty="0" smtClean="0"/>
+              <a:t>python-</a:t>
+            </a:r>
+            <a:r>
+              <a:rPr lang="en-US" sz="2400" dirty="0" err="1" smtClean="0"/>
+              <a:t>Levenshtein</a:t>
+            </a:r>
+            <a:r>
+              <a:rPr lang="en-US" sz="2400" dirty="0" smtClean="0"/>
+              <a:t> (</a:t>
+            </a:r>
+            <a:r>
+              <a:rPr lang="ru-RU" sz="2400" dirty="0" smtClean="0"/>
+              <a:t>алгоритм длины </a:t>
+            </a:r>
+            <a:r>
+              <a:rPr lang="ru-RU" sz="2400" dirty="0" err="1" smtClean="0"/>
+              <a:t>левенштейна</a:t>
+            </a:r>
+            <a:r>
+              <a:rPr lang="en-US" sz="2400" dirty="0" smtClean="0"/>
+              <a:t>)</a:t>
+            </a:r>
+            <a:endParaRPr lang="ru-RU" sz="2400" dirty="0" smtClean="0"/>
+          </a:p>
+          <a:p>
+            <a:r>
+              <a:rPr lang="en-US" sz="2400" dirty="0" smtClean="0"/>
+              <a:t>requests</a:t>
+            </a:r>
+          </a:p>
+        </p:txBody>
+      </p:sp>
+    </p:spTree>
+    <p:extLst>
+      <p:ext uri="{BB962C8B-B14F-4D97-AF65-F5344CB8AC3E}">
+        <p14:creationId xmlns:p14="http://schemas.microsoft.com/office/powerpoint/2010/main" val="208371207"/>
+      </p:ext>
+    </p:extLst>
+  </p:cSld>
+  <p:clrMapOvr>
+    <a:masterClrMapping/>
+  </p:clrMapOvr>
+</p:sld>
+</file>
+
+<file path=ppt/slides/slide5.xml><?xml version="1.0" encoding="utf-8"?>
+<p:sld xmlns:a="http://schemas.openxmlformats.org/drawingml/2006/main" xmlns:r="http://schemas.openxmlformats.org/officeDocument/2006/relationships" xmlns:p="http://schemas.openxmlformats.org/presentationml/2006/main">
+  <p:cSld>
+    <p:spTree>
+      <p:nvGrpSpPr>
+        <p:cNvPr id="1" name=""/>
+        <p:cNvGrpSpPr/>
+        <p:nvPr/>
+      </p:nvGrpSpPr>
+      <p:grpSpPr>
+        <a:xfrm>
+          <a:off x="0" y="0"/>
+          <a:ext cx="0" cy="0"/>
+          <a:chOff x="0" y="0"/>
+          <a:chExt cx="0" cy="0"/>
+        </a:xfrm>
+      </p:grpSpPr>
+      <p:sp>
+        <p:nvSpPr>
+          <p:cNvPr id="2" name="Заголовок 1"/>
+          <p:cNvSpPr>
+            <a:spLocks noGrp="1"/>
+          </p:cNvSpPr>
+          <p:nvPr>
+            <p:ph type="title"/>
+          </p:nvPr>
+        </p:nvSpPr>
+        <p:spPr>
+          <a:xfrm>
+            <a:off x="609600" y="274638"/>
+            <a:ext cx="7924800" cy="706090"/>
+          </a:xfrm>
+        </p:spPr>
+        <p:txBody>
+          <a:bodyPr/>
+          <a:lstStyle/>
+          <a:p>
+            <a:pPr algn="ctr"/>
+            <a:r>
+              <a:rPr lang="ru-RU" dirty="0" smtClean="0"/>
+              <a:t>заключение</a:t>
+            </a:r>
+            <a:endParaRPr lang="ru-RU" dirty="0"/>
+          </a:p>
+        </p:txBody>
+      </p:sp>
+      <p:sp>
+        <p:nvSpPr>
+          <p:cNvPr id="3" name="Объект 2"/>
+          <p:cNvSpPr>
+            <a:spLocks noGrp="1"/>
+          </p:cNvSpPr>
+          <p:nvPr>
+            <p:ph sz="quarter" idx="13"/>
+          </p:nvPr>
+        </p:nvSpPr>
+        <p:spPr>
+          <a:xfrm>
+            <a:off x="609600" y="1412776"/>
+            <a:ext cx="7924800" cy="4302224"/>
+          </a:xfrm>
+        </p:spPr>
+        <p:txBody>
+          <a:bodyPr>
+            <a:normAutofit/>
+          </a:bodyPr>
+          <a:lstStyle/>
+          <a:p>
+            <a:pPr marL="0" indent="0" algn="just">
+              <a:buNone/>
+            </a:pPr>
+            <a:r>
+              <a:rPr lang="ru-RU" sz="3200" dirty="0" smtClean="0"/>
+              <a:t>Проект сайта-магазина имеет возможность легко применяться в коммерческих целях в последующем. Так же сайт можно улучшать в дальнейшем, добавляя новые функции и делая его удобнее для пользователей.</a:t>
+            </a:r>
+            <a:endParaRPr lang="ru-RU" sz="3200" dirty="0"/>
+          </a:p>
+        </p:txBody>
+      </p:sp>
+    </p:spTree>
+    <p:extLst>
+      <p:ext uri="{BB962C8B-B14F-4D97-AF65-F5344CB8AC3E}">
+        <p14:creationId xmlns:p14="http://schemas.microsoft.com/office/powerpoint/2010/main" val="717852679"/>
+      </p:ext>
+    </p:extLst>
+  </p:cSld>
+  <p:clrMapOvr>
+    <a:masterClrMapping/>
+  </p:clrMapOvr>
 </p:sld>
 </file>
 
